--- a/pages/EFA/image/slide_logos.pptx
+++ b/pages/EFA/image/slide_logos.pptx
@@ -117,7 +117,7 @@
 <file path=ppt/revisionInfo.xml><?xml version="1.0" encoding="utf-8"?>
 <p1510:revInfo xmlns:a="http://schemas.openxmlformats.org/drawingml/2006/main" xmlns:r="http://schemas.openxmlformats.org/officeDocument/2006/relationships" xmlns:p1510="http://schemas.microsoft.com/office/powerpoint/2015/10/main">
   <p1510:revLst>
-    <p1510:client id="{5AC45C88-7A94-46F3-BAC5-161FFDB890F3}" v="3" dt="2021-08-04T04:32:29.532"/>
+    <p1510:client id="{5AC45C88-7A94-46F3-BAC5-161FFDB890F3}" v="7" dt="2021-08-15T05:35:39.186"/>
   </p1510:revLst>
 </p1510:revInfo>
 </file>
@@ -127,10 +127,160 @@
   <pc:docChgLst>
     <pc:chgData name="CHRISTOPHER LLONES" userId="ee08fdad-24ed-4713-bb77-380897b11f62" providerId="ADAL" clId="{5AC45C88-7A94-46F3-BAC5-161FFDB890F3}"/>
     <pc:docChg chg="custSel addSld modSld">
-      <pc:chgData name="CHRISTOPHER LLONES" userId="ee08fdad-24ed-4713-bb77-380897b11f62" providerId="ADAL" clId="{5AC45C88-7A94-46F3-BAC5-161FFDB890F3}" dt="2021-08-04T04:32:29.531" v="4" actId="5736"/>
+      <pc:chgData name="CHRISTOPHER LLONES" userId="ee08fdad-24ed-4713-bb77-380897b11f62" providerId="ADAL" clId="{5AC45C88-7A94-46F3-BAC5-161FFDB890F3}" dt="2021-08-15T05:40:43.811" v="87" actId="1038"/>
       <pc:docMkLst>
         <pc:docMk/>
       </pc:docMkLst>
+      <pc:sldChg chg="addSp delSp modSp mod">
+        <pc:chgData name="CHRISTOPHER LLONES" userId="ee08fdad-24ed-4713-bb77-380897b11f62" providerId="ADAL" clId="{5AC45C88-7A94-46F3-BAC5-161FFDB890F3}" dt="2021-08-15T05:40:43.811" v="87" actId="1038"/>
+        <pc:sldMkLst>
+          <pc:docMk/>
+          <pc:sldMk cId="777242666" sldId="256"/>
+        </pc:sldMkLst>
+        <pc:picChg chg="add mod">
+          <ac:chgData name="CHRISTOPHER LLONES" userId="ee08fdad-24ed-4713-bb77-380897b11f62" providerId="ADAL" clId="{5AC45C88-7A94-46F3-BAC5-161FFDB890F3}" dt="2021-08-15T05:40:43.811" v="87" actId="1038"/>
+          <ac:picMkLst>
+            <pc:docMk/>
+            <pc:sldMk cId="777242666" sldId="256"/>
+            <ac:picMk id="2" creationId="{F90F2B9B-F468-48F2-B19B-91100FA147D5}"/>
+          </ac:picMkLst>
+        </pc:picChg>
+        <pc:picChg chg="del mod">
+          <ac:chgData name="CHRISTOPHER LLONES" userId="ee08fdad-24ed-4713-bb77-380897b11f62" providerId="ADAL" clId="{5AC45C88-7A94-46F3-BAC5-161FFDB890F3}" dt="2021-08-15T05:36:17.827" v="39" actId="478"/>
+          <ac:picMkLst>
+            <pc:docMk/>
+            <pc:sldMk cId="777242666" sldId="256"/>
+            <ac:picMk id="31" creationId="{6D39D4FF-75EC-4530-B632-704BD7C16C28}"/>
+          </ac:picMkLst>
+        </pc:picChg>
+        <pc:picChg chg="del">
+          <ac:chgData name="CHRISTOPHER LLONES" userId="ee08fdad-24ed-4713-bb77-380897b11f62" providerId="ADAL" clId="{5AC45C88-7A94-46F3-BAC5-161FFDB890F3}" dt="2021-08-15T05:34:46.152" v="16" actId="21"/>
+          <ac:picMkLst>
+            <pc:docMk/>
+            <pc:sldMk cId="777242666" sldId="256"/>
+            <ac:picMk id="1026" creationId="{4FE418C6-F88A-4FDA-9549-97CA8BBECC6C}"/>
+          </ac:picMkLst>
+        </pc:picChg>
+        <pc:picChg chg="del">
+          <ac:chgData name="CHRISTOPHER LLONES" userId="ee08fdad-24ed-4713-bb77-380897b11f62" providerId="ADAL" clId="{5AC45C88-7A94-46F3-BAC5-161FFDB890F3}" dt="2021-08-15T05:34:46.152" v="16" actId="21"/>
+          <ac:picMkLst>
+            <pc:docMk/>
+            <pc:sldMk cId="777242666" sldId="256"/>
+            <ac:picMk id="2050" creationId="{FC43FC77-1501-4892-BAAC-4206277F5ABF}"/>
+          </ac:picMkLst>
+        </pc:picChg>
+      </pc:sldChg>
+      <pc:sldChg chg="addSp delSp modSp mod">
+        <pc:chgData name="CHRISTOPHER LLONES" userId="ee08fdad-24ed-4713-bb77-380897b11f62" providerId="ADAL" clId="{5AC45C88-7A94-46F3-BAC5-161FFDB890F3}" dt="2021-08-15T05:35:32.540" v="33" actId="164"/>
+        <pc:sldMkLst>
+          <pc:docMk/>
+          <pc:sldMk cId="1877650632" sldId="257"/>
+        </pc:sldMkLst>
+        <pc:grpChg chg="add mod">
+          <ac:chgData name="CHRISTOPHER LLONES" userId="ee08fdad-24ed-4713-bb77-380897b11f62" providerId="ADAL" clId="{5AC45C88-7A94-46F3-BAC5-161FFDB890F3}" dt="2021-08-15T05:35:32.540" v="33" actId="164"/>
+          <ac:grpSpMkLst>
+            <pc:docMk/>
+            <pc:sldMk cId="1877650632" sldId="257"/>
+            <ac:grpSpMk id="5" creationId="{C60222E0-234F-42B8-99B0-3B680ED73E20}"/>
+          </ac:grpSpMkLst>
+        </pc:grpChg>
+        <pc:grpChg chg="mod">
+          <ac:chgData name="CHRISTOPHER LLONES" userId="ee08fdad-24ed-4713-bb77-380897b11f62" providerId="ADAL" clId="{5AC45C88-7A94-46F3-BAC5-161FFDB890F3}" dt="2021-08-15T05:34:12.432" v="8" actId="1076"/>
+          <ac:grpSpMkLst>
+            <pc:docMk/>
+            <pc:sldMk cId="1877650632" sldId="257"/>
+            <ac:grpSpMk id="12" creationId="{CC9514B7-D75C-444D-9402-0075240F781A}"/>
+          </ac:grpSpMkLst>
+        </pc:grpChg>
+        <pc:grpChg chg="mod">
+          <ac:chgData name="CHRISTOPHER LLONES" userId="ee08fdad-24ed-4713-bb77-380897b11f62" providerId="ADAL" clId="{5AC45C88-7A94-46F3-BAC5-161FFDB890F3}" dt="2021-08-15T05:34:13.344" v="9" actId="1076"/>
+          <ac:grpSpMkLst>
+            <pc:docMk/>
+            <pc:sldMk cId="1877650632" sldId="257"/>
+            <ac:grpSpMk id="21" creationId="{01CF845A-D27E-4811-AC96-578BDFF6D06A}"/>
+          </ac:grpSpMkLst>
+        </pc:grpChg>
+        <pc:grpChg chg="mod">
+          <ac:chgData name="CHRISTOPHER LLONES" userId="ee08fdad-24ed-4713-bb77-380897b11f62" providerId="ADAL" clId="{5AC45C88-7A94-46F3-BAC5-161FFDB890F3}" dt="2021-08-15T05:34:14.034" v="10" actId="1076"/>
+          <ac:grpSpMkLst>
+            <pc:docMk/>
+            <pc:sldMk cId="1877650632" sldId="257"/>
+            <ac:grpSpMk id="36" creationId="{04DBBF64-5FFE-4E7B-97C8-05F15EFD04E6}"/>
+          </ac:grpSpMkLst>
+        </pc:grpChg>
+        <pc:grpChg chg="del mod">
+          <ac:chgData name="CHRISTOPHER LLONES" userId="ee08fdad-24ed-4713-bb77-380897b11f62" providerId="ADAL" clId="{5AC45C88-7A94-46F3-BAC5-161FFDB890F3}" dt="2021-08-15T05:34:20.095" v="12" actId="165"/>
+          <ac:grpSpMkLst>
+            <pc:docMk/>
+            <pc:sldMk cId="1877650632" sldId="257"/>
+            <ac:grpSpMk id="51" creationId="{3AC92974-ED12-4DED-AC16-4999DC74BC59}"/>
+          </ac:grpSpMkLst>
+        </pc:grpChg>
+        <pc:picChg chg="add del mod">
+          <ac:chgData name="CHRISTOPHER LLONES" userId="ee08fdad-24ed-4713-bb77-380897b11f62" providerId="ADAL" clId="{5AC45C88-7A94-46F3-BAC5-161FFDB890F3}" dt="2021-08-15T05:34:54.309" v="21" actId="478"/>
+          <ac:picMkLst>
+            <pc:docMk/>
+            <pc:sldMk cId="1877650632" sldId="257"/>
+            <ac:picMk id="47" creationId="{3FF89480-E0E0-41F2-9915-7DD676977588}"/>
+          </ac:picMkLst>
+        </pc:picChg>
+        <pc:picChg chg="add del mod">
+          <ac:chgData name="CHRISTOPHER LLONES" userId="ee08fdad-24ed-4713-bb77-380897b11f62" providerId="ADAL" clId="{5AC45C88-7A94-46F3-BAC5-161FFDB890F3}" dt="2021-08-15T05:34:53.170" v="19" actId="478"/>
+          <ac:picMkLst>
+            <pc:docMk/>
+            <pc:sldMk cId="1877650632" sldId="257"/>
+            <ac:picMk id="48" creationId="{335DF211-6A44-4FE0-B787-F2B5CCDBA607}"/>
+          </ac:picMkLst>
+        </pc:picChg>
+        <pc:picChg chg="mod topLvl">
+          <ac:chgData name="CHRISTOPHER LLONES" userId="ee08fdad-24ed-4713-bb77-380897b11f62" providerId="ADAL" clId="{5AC45C88-7A94-46F3-BAC5-161FFDB890F3}" dt="2021-08-15T05:35:32.540" v="33" actId="164"/>
+          <ac:picMkLst>
+            <pc:docMk/>
+            <pc:sldMk cId="1877650632" sldId="257"/>
+            <ac:picMk id="52" creationId="{195CF476-A8DD-45ED-B964-D6FAF872C7BF}"/>
+          </ac:picMkLst>
+        </pc:picChg>
+        <pc:picChg chg="mod topLvl">
+          <ac:chgData name="CHRISTOPHER LLONES" userId="ee08fdad-24ed-4713-bb77-380897b11f62" providerId="ADAL" clId="{5AC45C88-7A94-46F3-BAC5-161FFDB890F3}" dt="2021-08-15T05:35:32.540" v="33" actId="164"/>
+          <ac:picMkLst>
+            <pc:docMk/>
+            <pc:sldMk cId="1877650632" sldId="257"/>
+            <ac:picMk id="53" creationId="{CB2FB668-93EF-4770-BC89-B52C91FE48B1}"/>
+          </ac:picMkLst>
+        </pc:picChg>
+        <pc:picChg chg="mod topLvl">
+          <ac:chgData name="CHRISTOPHER LLONES" userId="ee08fdad-24ed-4713-bb77-380897b11f62" providerId="ADAL" clId="{5AC45C88-7A94-46F3-BAC5-161FFDB890F3}" dt="2021-08-15T05:35:32.540" v="33" actId="164"/>
+          <ac:picMkLst>
+            <pc:docMk/>
+            <pc:sldMk cId="1877650632" sldId="257"/>
+            <ac:picMk id="54" creationId="{35398D9C-A715-437F-B60E-3AB0EA29E6EA}"/>
+          </ac:picMkLst>
+        </pc:picChg>
+        <pc:picChg chg="mod topLvl">
+          <ac:chgData name="CHRISTOPHER LLONES" userId="ee08fdad-24ed-4713-bb77-380897b11f62" providerId="ADAL" clId="{5AC45C88-7A94-46F3-BAC5-161FFDB890F3}" dt="2021-08-15T05:35:32.540" v="33" actId="164"/>
+          <ac:picMkLst>
+            <pc:docMk/>
+            <pc:sldMk cId="1877650632" sldId="257"/>
+            <ac:picMk id="55" creationId="{71E1EF6E-8F2C-409D-BF73-5FCDA36F1E7B}"/>
+          </ac:picMkLst>
+        </pc:picChg>
+        <pc:picChg chg="mod topLvl">
+          <ac:chgData name="CHRISTOPHER LLONES" userId="ee08fdad-24ed-4713-bb77-380897b11f62" providerId="ADAL" clId="{5AC45C88-7A94-46F3-BAC5-161FFDB890F3}" dt="2021-08-15T05:35:32.540" v="33" actId="164"/>
+          <ac:picMkLst>
+            <pc:docMk/>
+            <pc:sldMk cId="1877650632" sldId="257"/>
+            <ac:picMk id="56" creationId="{6ABAA967-E752-4175-BF9D-87979E7D675B}"/>
+          </ac:picMkLst>
+        </pc:picChg>
+        <pc:picChg chg="mod">
+          <ac:chgData name="CHRISTOPHER LLONES" userId="ee08fdad-24ed-4713-bb77-380897b11f62" providerId="ADAL" clId="{5AC45C88-7A94-46F3-BAC5-161FFDB890F3}" dt="2021-08-15T05:34:09.520" v="6" actId="1076"/>
+          <ac:picMkLst>
+            <pc:docMk/>
+            <pc:sldMk cId="1877650632" sldId="257"/>
+            <ac:picMk id="6146" creationId="{49F701FC-E446-4420-95E1-E9C4C483E0F4}"/>
+          </ac:picMkLst>
+        </pc:picChg>
+      </pc:sldChg>
       <pc:sldChg chg="addSp delSp modSp new mod">
         <pc:chgData name="CHRISTOPHER LLONES" userId="ee08fdad-24ed-4713-bb77-380897b11f62" providerId="ADAL" clId="{5AC45C88-7A94-46F3-BAC5-161FFDB890F3}" dt="2021-08-04T04:32:29.531" v="4" actId="5736"/>
         <pc:sldMkLst>
@@ -324,7 +474,7 @@
           <a:p>
             <a:fld id="{A7E68E60-9218-46BB-A378-9A469EA0EEDE}" type="datetimeFigureOut">
               <a:rPr lang="en-GB" smtClean="0"/>
-              <a:t>04/08/2021</a:t>
+              <a:t>15/08/2021</a:t>
             </a:fld>
             <a:endParaRPr lang="en-GB"/>
           </a:p>
@@ -524,7 +674,7 @@
           <a:p>
             <a:fld id="{A7E68E60-9218-46BB-A378-9A469EA0EEDE}" type="datetimeFigureOut">
               <a:rPr lang="en-GB" smtClean="0"/>
-              <a:t>04/08/2021</a:t>
+              <a:t>15/08/2021</a:t>
             </a:fld>
             <a:endParaRPr lang="en-GB"/>
           </a:p>
@@ -734,7 +884,7 @@
           <a:p>
             <a:fld id="{A7E68E60-9218-46BB-A378-9A469EA0EEDE}" type="datetimeFigureOut">
               <a:rPr lang="en-GB" smtClean="0"/>
-              <a:t>04/08/2021</a:t>
+              <a:t>15/08/2021</a:t>
             </a:fld>
             <a:endParaRPr lang="en-GB"/>
           </a:p>
@@ -934,7 +1084,7 @@
           <a:p>
             <a:fld id="{A7E68E60-9218-46BB-A378-9A469EA0EEDE}" type="datetimeFigureOut">
               <a:rPr lang="en-GB" smtClean="0"/>
-              <a:t>04/08/2021</a:t>
+              <a:t>15/08/2021</a:t>
             </a:fld>
             <a:endParaRPr lang="en-GB"/>
           </a:p>
@@ -1210,7 +1360,7 @@
           <a:p>
             <a:fld id="{A7E68E60-9218-46BB-A378-9A469EA0EEDE}" type="datetimeFigureOut">
               <a:rPr lang="en-GB" smtClean="0"/>
-              <a:t>04/08/2021</a:t>
+              <a:t>15/08/2021</a:t>
             </a:fld>
             <a:endParaRPr lang="en-GB"/>
           </a:p>
@@ -1478,7 +1628,7 @@
           <a:p>
             <a:fld id="{A7E68E60-9218-46BB-A378-9A469EA0EEDE}" type="datetimeFigureOut">
               <a:rPr lang="en-GB" smtClean="0"/>
-              <a:t>04/08/2021</a:t>
+              <a:t>15/08/2021</a:t>
             </a:fld>
             <a:endParaRPr lang="en-GB"/>
           </a:p>
@@ -1893,7 +2043,7 @@
           <a:p>
             <a:fld id="{A7E68E60-9218-46BB-A378-9A469EA0EEDE}" type="datetimeFigureOut">
               <a:rPr lang="en-GB" smtClean="0"/>
-              <a:t>04/08/2021</a:t>
+              <a:t>15/08/2021</a:t>
             </a:fld>
             <a:endParaRPr lang="en-GB"/>
           </a:p>
@@ -2035,7 +2185,7 @@
           <a:p>
             <a:fld id="{A7E68E60-9218-46BB-A378-9A469EA0EEDE}" type="datetimeFigureOut">
               <a:rPr lang="en-GB" smtClean="0"/>
-              <a:t>04/08/2021</a:t>
+              <a:t>15/08/2021</a:t>
             </a:fld>
             <a:endParaRPr lang="en-GB"/>
           </a:p>
@@ -2148,7 +2298,7 @@
           <a:p>
             <a:fld id="{A7E68E60-9218-46BB-A378-9A469EA0EEDE}" type="datetimeFigureOut">
               <a:rPr lang="en-GB" smtClean="0"/>
-              <a:t>04/08/2021</a:t>
+              <a:t>15/08/2021</a:t>
             </a:fld>
             <a:endParaRPr lang="en-GB"/>
           </a:p>
@@ -2461,7 +2611,7 @@
           <a:p>
             <a:fld id="{A7E68E60-9218-46BB-A378-9A469EA0EEDE}" type="datetimeFigureOut">
               <a:rPr lang="en-GB" smtClean="0"/>
-              <a:t>04/08/2021</a:t>
+              <a:t>15/08/2021</a:t>
             </a:fld>
             <a:endParaRPr lang="en-GB"/>
           </a:p>
@@ -2750,7 +2900,7 @@
           <a:p>
             <a:fld id="{A7E68E60-9218-46BB-A378-9A469EA0EEDE}" type="datetimeFigureOut">
               <a:rPr lang="en-GB" smtClean="0"/>
-              <a:t>04/08/2021</a:t>
+              <a:t>15/08/2021</a:t>
             </a:fld>
             <a:endParaRPr lang="en-GB"/>
           </a:p>
@@ -2993,7 +3143,7 @@
           <a:p>
             <a:fld id="{A7E68E60-9218-46BB-A378-9A469EA0EEDE}" type="datetimeFigureOut">
               <a:rPr lang="en-GB" smtClean="0"/>
-              <a:t>04/08/2021</a:t>
+              <a:t>15/08/2021</a:t>
             </a:fld>
             <a:endParaRPr lang="en-GB"/>
           </a:p>
@@ -3412,86 +3562,10 @@
       </p:grpSpPr>
       <p:pic>
         <p:nvPicPr>
-          <p:cNvPr id="2050" name="Picture 2" descr="Logo, icon&#10;&#10;Description automatically generated">
+          <p:cNvPr id="2" name="Picture 1">
             <a:extLst>
               <a:ext uri="{FF2B5EF4-FFF2-40B4-BE49-F238E27FC236}">
-                <a16:creationId xmlns:a16="http://schemas.microsoft.com/office/drawing/2014/main" id="{FC43FC77-1501-4892-BAAC-4206277F5ABF}"/>
-              </a:ext>
-            </a:extLst>
-          </p:cNvPr>
-          <p:cNvPicPr>
-            <a:picLocks noChangeAspect="1" noChangeArrowheads="1"/>
-          </p:cNvPicPr>
-          <p:nvPr/>
-        </p:nvPicPr>
-        <p:blipFill>
-          <a:blip r:embed="rId2">
-            <a:alphaModFix amt="74000"/>
-            <a:extLst>
-              <a:ext uri="{28A0092B-C50C-407E-A947-70E740481C1C}">
-                <a14:useLocalDpi xmlns:a14="http://schemas.microsoft.com/office/drawing/2010/main" val="0"/>
-              </a:ext>
-            </a:extLst>
-          </a:blip>
-          <a:srcRect/>
-          <a:stretch>
-            <a:fillRect/>
-          </a:stretch>
-        </p:blipFill>
-        <p:spPr bwMode="auto">
-          <a:xfrm>
-            <a:off x="266411" y="166308"/>
-            <a:ext cx="897890" cy="695741"/>
-          </a:xfrm>
-          <a:prstGeom prst="rect">
-            <a:avLst/>
-          </a:prstGeom>
-        </p:spPr>
-      </p:pic>
-      <p:pic>
-        <p:nvPicPr>
-          <p:cNvPr id="1026" name="Picture 2" descr="Logo&#10;&#10;Description automatically generated">
-            <a:extLst>
-              <a:ext uri="{FF2B5EF4-FFF2-40B4-BE49-F238E27FC236}">
-                <a16:creationId xmlns:a16="http://schemas.microsoft.com/office/drawing/2014/main" id="{4FE418C6-F88A-4FDA-9549-97CA8BBECC6C}"/>
-              </a:ext>
-            </a:extLst>
-          </p:cNvPr>
-          <p:cNvPicPr>
-            <a:picLocks noChangeAspect="1" noChangeArrowheads="1"/>
-          </p:cNvPicPr>
-          <p:nvPr/>
-        </p:nvPicPr>
-        <p:blipFill>
-          <a:blip r:embed="rId3">
-            <a:alphaModFix amt="74000"/>
-            <a:extLst>
-              <a:ext uri="{28A0092B-C50C-407E-A947-70E740481C1C}">
-                <a14:useLocalDpi xmlns:a14="http://schemas.microsoft.com/office/drawing/2010/main" val="0"/>
-              </a:ext>
-            </a:extLst>
-          </a:blip>
-          <a:srcRect/>
-          <a:stretch>
-            <a:fillRect/>
-          </a:stretch>
-        </p:blipFill>
-        <p:spPr bwMode="auto">
-          <a:xfrm>
-            <a:off x="1442720" y="187715"/>
-            <a:ext cx="1920240" cy="674334"/>
-          </a:xfrm>
-          <a:prstGeom prst="rect">
-            <a:avLst/>
-          </a:prstGeom>
-        </p:spPr>
-      </p:pic>
-      <p:pic>
-        <p:nvPicPr>
-          <p:cNvPr id="31" name="Picture 30">
-            <a:extLst>
-              <a:ext uri="{FF2B5EF4-FFF2-40B4-BE49-F238E27FC236}">
-                <a16:creationId xmlns:a16="http://schemas.microsoft.com/office/drawing/2014/main" id="{6D39D4FF-75EC-4530-B632-704BD7C16C28}"/>
+                <a16:creationId xmlns:a16="http://schemas.microsoft.com/office/drawing/2014/main" id="{F90F2B9B-F468-48F2-B19B-91100FA147D5}"/>
               </a:ext>
             </a:extLst>
           </p:cNvPr>
@@ -3501,8 +3575,8 @@
           <p:nvPr/>
         </p:nvPicPr>
         <p:blipFill>
-          <a:blip r:embed="rId4">
-            <a:alphaModFix amt="74000"/>
+          <a:blip r:embed="rId2">
+            <a:alphaModFix amt="77000"/>
           </a:blip>
           <a:stretch>
             <a:fillRect/>
@@ -3510,8 +3584,8 @@
         </p:blipFill>
         <p:spPr>
           <a:xfrm>
-            <a:off x="10305211" y="132998"/>
-            <a:ext cx="1761897" cy="2042337"/>
+            <a:off x="9917281" y="5335928"/>
+            <a:ext cx="1994537" cy="1371965"/>
           </a:xfrm>
           <a:prstGeom prst="rect">
             <a:avLst/>
@@ -3691,7 +3765,7 @@
         </p:blipFill>
         <p:spPr bwMode="auto">
           <a:xfrm>
-            <a:off x="3501390" y="838899"/>
+            <a:off x="106718" y="1033605"/>
             <a:ext cx="2746692" cy="3170954"/>
           </a:xfrm>
           <a:prstGeom prst="rect">
@@ -3714,7 +3788,7 @@
         </p:nvGrpSpPr>
         <p:grpSpPr>
           <a:xfrm>
-            <a:off x="6991670" y="662782"/>
+            <a:off x="1097953" y="1459522"/>
             <a:ext cx="2349100" cy="2766218"/>
             <a:chOff x="6991670" y="662782"/>
             <a:chExt cx="2636518" cy="2985452"/>
@@ -4338,7 +4412,7 @@
         </p:nvGrpSpPr>
         <p:grpSpPr>
           <a:xfrm>
-            <a:off x="8904549" y="3734850"/>
+            <a:off x="3626012" y="4142661"/>
             <a:ext cx="2349100" cy="2766218"/>
             <a:chOff x="8904549" y="3734850"/>
             <a:chExt cx="2349100" cy="2766218"/>
@@ -4667,7 +4741,7 @@
         </p:nvGrpSpPr>
         <p:grpSpPr>
           <a:xfrm>
-            <a:off x="4856507" y="4009853"/>
+            <a:off x="3237296" y="3649611"/>
             <a:ext cx="2349100" cy="2766218"/>
             <a:chOff x="4856507" y="4009853"/>
             <a:chExt cx="2349100" cy="2766218"/>
@@ -5567,10 +5641,10 @@
       </p:grpSp>
       <p:grpSp>
         <p:nvGrpSpPr>
-          <p:cNvPr id="51" name="Group 50">
+          <p:cNvPr id="5" name="Group 4">
             <a:extLst>
               <a:ext uri="{FF2B5EF4-FFF2-40B4-BE49-F238E27FC236}">
-                <a16:creationId xmlns:a16="http://schemas.microsoft.com/office/drawing/2014/main" id="{3AC92974-ED12-4DED-AC16-4999DC74BC59}"/>
+                <a16:creationId xmlns:a16="http://schemas.microsoft.com/office/drawing/2014/main" id="{C60222E0-234F-42B8-99B0-3B680ED73E20}"/>
               </a:ext>
             </a:extLst>
           </p:cNvPr>
@@ -5579,10 +5653,10 @@
         </p:nvGrpSpPr>
         <p:grpSpPr>
           <a:xfrm>
-            <a:off x="10160000" y="143158"/>
-            <a:ext cx="1761754" cy="2040080"/>
-            <a:chOff x="3950989" y="1087956"/>
-            <a:chExt cx="5776107" cy="6688629"/>
+            <a:off x="8321773" y="439481"/>
+            <a:ext cx="2110477" cy="1450336"/>
+            <a:chOff x="8321773" y="439481"/>
+            <a:chExt cx="2110477" cy="1450336"/>
           </a:xfrm>
         </p:grpSpPr>
         <p:pic>
@@ -5607,8 +5681,8 @@
           </p:blipFill>
           <p:spPr>
             <a:xfrm>
-              <a:off x="7325064" y="3157525"/>
-              <a:ext cx="2402032" cy="2594709"/>
+              <a:off x="9699613" y="488988"/>
+              <a:ext cx="732637" cy="791405"/>
             </a:xfrm>
             <a:prstGeom prst="rect">
               <a:avLst/>
@@ -5644,8 +5718,8 @@
           </p:blipFill>
           <p:spPr bwMode="auto">
             <a:xfrm>
-              <a:off x="3950989" y="1087956"/>
-              <a:ext cx="2320242" cy="2760021"/>
+              <a:off x="8321773" y="439481"/>
+              <a:ext cx="707690" cy="841826"/>
             </a:xfrm>
             <a:prstGeom prst="rect">
               <a:avLst/>
@@ -5675,8 +5749,8 @@
           </p:blipFill>
           <p:spPr>
             <a:xfrm>
-              <a:off x="6248082" y="1157408"/>
-              <a:ext cx="2279751" cy="2690569"/>
+              <a:off x="9022403" y="460664"/>
+              <a:ext cx="695340" cy="820643"/>
             </a:xfrm>
             <a:prstGeom prst="rect">
               <a:avLst/>
@@ -5705,8 +5779,8 @@
           </p:blipFill>
           <p:spPr>
             <a:xfrm>
-              <a:off x="6194631" y="5086016"/>
-              <a:ext cx="2320242" cy="2690569"/>
+              <a:off x="9356154" y="1069174"/>
+              <a:ext cx="707690" cy="820643"/>
             </a:xfrm>
             <a:prstGeom prst="rect">
               <a:avLst/>
@@ -5735,8 +5809,8 @@
           </p:blipFill>
           <p:spPr>
             <a:xfrm>
-              <a:off x="5140799" y="3152475"/>
-              <a:ext cx="2194204" cy="2594709"/>
+              <a:off x="8684674" y="1069174"/>
+              <a:ext cx="669248" cy="791405"/>
             </a:xfrm>
             <a:prstGeom prst="rect">
               <a:avLst/>
@@ -5774,8 +5848,8 @@
           <a:chExt cx="0" cy="0"/>
         </a:xfrm>
       </p:grpSpPr>
-      <mc:AlternateContent xmlns:mc="http://schemas.openxmlformats.org/markup-compatibility/2006">
-        <mc:Choice xmlns:a14="http://schemas.microsoft.com/office/drawing/2010/main" Requires="a14">
+      <mc:AlternateContent xmlns:mc="http://schemas.openxmlformats.org/markup-compatibility/2006" xmlns:a14="http://schemas.microsoft.com/office/drawing/2010/main">
+        <mc:Choice Requires="a14">
           <p:graphicFrame>
             <p:nvGraphicFramePr>
               <p:cNvPr id="5" name="Table 4">
@@ -5835,6 +5909,7 @@
                         <a:bodyPr/>
                         <a:lstStyle/>
                         <a:p>
+                          <a:pPr/>
                           <a14:m>
                             <m:oMathPara xmlns:m="http://schemas.openxmlformats.org/officeDocument/2006/math">
                               <m:oMathParaPr>
@@ -5844,18 +5919,24 @@
                                 <m:sSub>
                                   <m:sSubPr>
                                     <m:ctrlPr>
-                                      <a:rPr lang="en-PH" sz="1600" b="0" smtClean="0"/>
+                                      <a:rPr lang="en-PH" sz="1600" b="0" i="1" smtClean="0">
+                                        <a:latin typeface="Cambria Math" panose="02040503050406030204" pitchFamily="18" charset="0"/>
+                                      </a:rPr>
                                     </m:ctrlPr>
                                   </m:sSubPr>
                                   <m:e>
                                     <m:r>
-                                      <a:rPr lang="en-PH" sz="1600" b="0" smtClean="0"/>
+                                      <a:rPr lang="en-PH" sz="1600" b="0" smtClean="0">
+                                        <a:latin typeface="Cambria Math" panose="02040503050406030204" pitchFamily="18" charset="0"/>
+                                      </a:rPr>
                                       <m:t>𝑋</m:t>
                                     </m:r>
                                   </m:e>
                                   <m:sub>
                                     <m:r>
-                                      <a:rPr lang="en-PH" sz="1600" b="0" smtClean="0"/>
+                                      <a:rPr lang="en-PH" sz="1600" b="0" smtClean="0">
+                                        <a:latin typeface="Cambria Math" panose="02040503050406030204" pitchFamily="18" charset="0"/>
+                                      </a:rPr>
                                       <m:t>6</m:t>
                                     </m:r>
                                   </m:sub>
@@ -6010,6 +6091,7 @@
                         <a:bodyPr/>
                         <a:lstStyle/>
                         <a:p>
+                          <a:pPr/>
                           <a14:m>
                             <m:oMathPara xmlns:m="http://schemas.openxmlformats.org/officeDocument/2006/math">
                               <m:oMathParaPr>
@@ -6019,18 +6101,24 @@
                                 <m:sSub>
                                   <m:sSubPr>
                                     <m:ctrlPr>
-                                      <a:rPr lang="en-PH" sz="1400" b="0" smtClean="0"/>
+                                      <a:rPr lang="en-PH" sz="1400" b="0" i="1" smtClean="0">
+                                        <a:latin typeface="Cambria Math" panose="02040503050406030204" pitchFamily="18" charset="0"/>
+                                      </a:rPr>
                                     </m:ctrlPr>
                                   </m:sSubPr>
                                   <m:e>
                                     <m:r>
-                                      <a:rPr lang="en-PH" sz="1400" b="0" smtClean="0"/>
+                                      <a:rPr lang="en-PH" sz="1400" b="0" smtClean="0">
+                                        <a:latin typeface="Cambria Math" panose="02040503050406030204" pitchFamily="18" charset="0"/>
+                                      </a:rPr>
                                       <m:t>𝑋</m:t>
                                     </m:r>
                                   </m:e>
                                   <m:sub>
                                     <m:r>
-                                      <a:rPr lang="en-PH" sz="1400" b="0" smtClean="0"/>
+                                      <a:rPr lang="en-PH" sz="1400" b="0" smtClean="0">
+                                        <a:latin typeface="Cambria Math" panose="02040503050406030204" pitchFamily="18" charset="0"/>
+                                      </a:rPr>
                                       <m:t>7</m:t>
                                     </m:r>
                                   </m:sub>
@@ -6122,6 +6210,7 @@
                         <a:bodyPr/>
                         <a:lstStyle/>
                         <a:p>
+                          <a:pPr/>
                           <a14:m>
                             <m:oMathPara xmlns:m="http://schemas.openxmlformats.org/officeDocument/2006/math">
                               <m:oMathParaPr>
@@ -6131,18 +6220,24 @@
                                 <m:sSub>
                                   <m:sSubPr>
                                     <m:ctrlPr>
-                                      <a:rPr lang="en-PH" sz="1400" b="0" smtClean="0"/>
+                                      <a:rPr lang="en-PH" sz="1400" b="0" i="1" smtClean="0">
+                                        <a:latin typeface="Cambria Math" panose="02040503050406030204" pitchFamily="18" charset="0"/>
+                                      </a:rPr>
                                     </m:ctrlPr>
                                   </m:sSubPr>
                                   <m:e>
                                     <m:r>
-                                      <a:rPr lang="en-PH" sz="1400" b="0" smtClean="0"/>
+                                      <a:rPr lang="en-PH" sz="1400" b="0" smtClean="0">
+                                        <a:latin typeface="Cambria Math" panose="02040503050406030204" pitchFamily="18" charset="0"/>
+                                      </a:rPr>
                                       <m:t>𝑋</m:t>
                                     </m:r>
                                   </m:e>
                                   <m:sub>
                                     <m:r>
-                                      <a:rPr lang="en-PH" sz="1400" b="0" smtClean="0"/>
+                                      <a:rPr lang="en-PH" sz="1400" b="0" smtClean="0">
+                                        <a:latin typeface="Cambria Math" panose="02040503050406030204" pitchFamily="18" charset="0"/>
+                                      </a:rPr>
                                       <m:t>8</m:t>
                                     </m:r>
                                   </m:sub>
@@ -6224,6 +6319,7 @@
                         <a:bodyPr/>
                         <a:lstStyle/>
                         <a:p>
+                          <a:pPr/>
                           <a14:m>
                             <m:oMathPara xmlns:m="http://schemas.openxmlformats.org/officeDocument/2006/math">
                               <m:oMathParaPr>
@@ -6233,18 +6329,24 @@
                                 <m:sSub>
                                   <m:sSubPr>
                                     <m:ctrlPr>
-                                      <a:rPr lang="en-PH" sz="1400" b="0" smtClean="0"/>
+                                      <a:rPr lang="en-PH" sz="1400" b="0" i="1" smtClean="0">
+                                        <a:latin typeface="Cambria Math" panose="02040503050406030204" pitchFamily="18" charset="0"/>
+                                      </a:rPr>
                                     </m:ctrlPr>
                                   </m:sSubPr>
                                   <m:e>
                                     <m:r>
-                                      <a:rPr lang="en-PH" sz="1400" b="0" smtClean="0"/>
+                                      <a:rPr lang="en-PH" sz="1400" b="0" smtClean="0">
+                                        <a:latin typeface="Cambria Math" panose="02040503050406030204" pitchFamily="18" charset="0"/>
+                                      </a:rPr>
                                       <m:t>𝑋</m:t>
                                     </m:r>
                                   </m:e>
                                   <m:sub>
                                     <m:r>
-                                      <a:rPr lang="en-PH" sz="1400" b="0" smtClean="0"/>
+                                      <a:rPr lang="en-PH" sz="1400" b="0" smtClean="0">
+                                        <a:latin typeface="Cambria Math" panose="02040503050406030204" pitchFamily="18" charset="0"/>
+                                      </a:rPr>
                                       <m:t>9</m:t>
                                     </m:r>
                                   </m:sub>
@@ -6326,6 +6428,7 @@
                         <a:bodyPr/>
                         <a:lstStyle/>
                         <a:p>
+                          <a:pPr/>
                           <a14:m>
                             <m:oMathPara xmlns:m="http://schemas.openxmlformats.org/officeDocument/2006/math">
                               <m:oMathParaPr>
@@ -6335,18 +6438,24 @@
                                 <m:sSub>
                                   <m:sSubPr>
                                     <m:ctrlPr>
-                                      <a:rPr lang="en-PH" sz="1400" b="0" smtClean="0"/>
+                                      <a:rPr lang="en-PH" sz="1400" b="0" i="1" smtClean="0">
+                                        <a:latin typeface="Cambria Math" panose="02040503050406030204" pitchFamily="18" charset="0"/>
+                                      </a:rPr>
                                     </m:ctrlPr>
                                   </m:sSubPr>
                                   <m:e>
                                     <m:r>
-                                      <a:rPr lang="en-PH" sz="1400" b="0" smtClean="0"/>
+                                      <a:rPr lang="en-PH" sz="1400" b="0" smtClean="0">
+                                        <a:latin typeface="Cambria Math" panose="02040503050406030204" pitchFamily="18" charset="0"/>
+                                      </a:rPr>
                                       <m:t>𝑋</m:t>
                                     </m:r>
                                   </m:e>
                                   <m:sub>
                                     <m:r>
-                                      <a:rPr lang="en-PH" sz="1400" b="0" smtClean="0"/>
+                                      <a:rPr lang="en-PH" sz="1400" b="0" smtClean="0">
+                                        <a:latin typeface="Cambria Math" panose="02040503050406030204" pitchFamily="18" charset="0"/>
+                                      </a:rPr>
                                       <m:t>10</m:t>
                                     </m:r>
                                   </m:sub>
@@ -6428,6 +6537,7 @@
                         <a:bodyPr/>
                         <a:lstStyle/>
                         <a:p>
+                          <a:pPr/>
                           <a14:m>
                             <m:oMathPara xmlns:m="http://schemas.openxmlformats.org/officeDocument/2006/math">
                               <m:oMathParaPr>
@@ -6437,18 +6547,24 @@
                                 <m:sSub>
                                   <m:sSubPr>
                                     <m:ctrlPr>
-                                      <a:rPr lang="en-PH" sz="1400" b="0" smtClean="0"/>
+                                      <a:rPr lang="en-PH" sz="1400" b="0" i="1" smtClean="0">
+                                        <a:latin typeface="Cambria Math" panose="02040503050406030204" pitchFamily="18" charset="0"/>
+                                      </a:rPr>
                                     </m:ctrlPr>
                                   </m:sSubPr>
                                   <m:e>
                                     <m:r>
-                                      <a:rPr lang="en-PH" sz="1400" b="0" smtClean="0"/>
+                                      <a:rPr lang="en-PH" sz="1400" b="0" smtClean="0">
+                                        <a:latin typeface="Cambria Math" panose="02040503050406030204" pitchFamily="18" charset="0"/>
+                                      </a:rPr>
                                       <m:t>𝑋</m:t>
                                     </m:r>
                                   </m:e>
                                   <m:sub>
                                     <m:r>
-                                      <a:rPr lang="en-PH" sz="1400" b="0" smtClean="0"/>
+                                      <a:rPr lang="en-PH" sz="1400" b="0" smtClean="0">
+                                        <a:latin typeface="Cambria Math" panose="02040503050406030204" pitchFamily="18" charset="0"/>
+                                      </a:rPr>
                                       <m:t>11</m:t>
                                     </m:r>
                                   </m:sub>
@@ -6530,6 +6646,7 @@
                         <a:bodyPr/>
                         <a:lstStyle/>
                         <a:p>
+                          <a:pPr/>
                           <a14:m>
                             <m:oMathPara xmlns:m="http://schemas.openxmlformats.org/officeDocument/2006/math">
                               <m:oMathParaPr>
@@ -6539,18 +6656,24 @@
                                 <m:sSub>
                                   <m:sSubPr>
                                     <m:ctrlPr>
-                                      <a:rPr lang="en-PH" sz="1400" b="0" smtClean="0"/>
+                                      <a:rPr lang="en-PH" sz="1400" b="0" i="1" smtClean="0">
+                                        <a:latin typeface="Cambria Math" panose="02040503050406030204" pitchFamily="18" charset="0"/>
+                                      </a:rPr>
                                     </m:ctrlPr>
                                   </m:sSubPr>
                                   <m:e>
                                     <m:r>
-                                      <a:rPr lang="en-PH" sz="1400" b="0" smtClean="0"/>
+                                      <a:rPr lang="en-PH" sz="1400" b="0" smtClean="0">
+                                        <a:latin typeface="Cambria Math" panose="02040503050406030204" pitchFamily="18" charset="0"/>
+                                      </a:rPr>
                                       <m:t>𝑋</m:t>
                                     </m:r>
                                   </m:e>
                                   <m:sub>
                                     <m:r>
-                                      <a:rPr lang="en-PH" sz="1400" b="0" smtClean="0"/>
+                                      <a:rPr lang="en-PH" sz="1400" b="0" smtClean="0">
+                                        <a:latin typeface="Cambria Math" panose="02040503050406030204" pitchFamily="18" charset="0"/>
+                                      </a:rPr>
                                       <m:t>12</m:t>
                                     </m:r>
                                   </m:sub>
@@ -6632,6 +6755,7 @@
                         <a:bodyPr/>
                         <a:lstStyle/>
                         <a:p>
+                          <a:pPr/>
                           <a14:m>
                             <m:oMathPara xmlns:m="http://schemas.openxmlformats.org/officeDocument/2006/math">
                               <m:oMathParaPr>
@@ -6641,18 +6765,24 @@
                                 <m:sSub>
                                   <m:sSubPr>
                                     <m:ctrlPr>
-                                      <a:rPr lang="en-PH" sz="1400" b="0" smtClean="0"/>
+                                      <a:rPr lang="en-PH" sz="1400" b="0" i="1" smtClean="0">
+                                        <a:latin typeface="Cambria Math" panose="02040503050406030204" pitchFamily="18" charset="0"/>
+                                      </a:rPr>
                                     </m:ctrlPr>
                                   </m:sSubPr>
                                   <m:e>
                                     <m:r>
-                                      <a:rPr lang="en-PH" sz="1400" b="0" smtClean="0"/>
+                                      <a:rPr lang="en-PH" sz="1400" b="0" smtClean="0">
+                                        <a:latin typeface="Cambria Math" panose="02040503050406030204" pitchFamily="18" charset="0"/>
+                                      </a:rPr>
                                       <m:t>𝑋</m:t>
                                     </m:r>
                                   </m:e>
                                   <m:sub>
                                     <m:r>
-                                      <a:rPr lang="en-PH" sz="1400" b="0" smtClean="0"/>
+                                      <a:rPr lang="en-PH" sz="1400" b="0" smtClean="0">
+                                        <a:latin typeface="Cambria Math" panose="02040503050406030204" pitchFamily="18" charset="0"/>
+                                      </a:rPr>
                                       <m:t>13</m:t>
                                     </m:r>
                                   </m:sub>
@@ -6734,6 +6864,7 @@
                         <a:bodyPr/>
                         <a:lstStyle/>
                         <a:p>
+                          <a:pPr/>
                           <a14:m>
                             <m:oMathPara xmlns:m="http://schemas.openxmlformats.org/officeDocument/2006/math">
                               <m:oMathParaPr>
@@ -6743,18 +6874,24 @@
                                 <m:sSub>
                                   <m:sSubPr>
                                     <m:ctrlPr>
-                                      <a:rPr lang="en-PH" sz="1400" b="0" smtClean="0"/>
+                                      <a:rPr lang="en-PH" sz="1400" b="0" i="1" smtClean="0">
+                                        <a:latin typeface="Cambria Math" panose="02040503050406030204" pitchFamily="18" charset="0"/>
+                                      </a:rPr>
                                     </m:ctrlPr>
                                   </m:sSubPr>
                                   <m:e>
                                     <m:r>
-                                      <a:rPr lang="en-PH" sz="1400" b="0" smtClean="0"/>
+                                      <a:rPr lang="en-PH" sz="1400" b="0" smtClean="0">
+                                        <a:latin typeface="Cambria Math" panose="02040503050406030204" pitchFamily="18" charset="0"/>
+                                      </a:rPr>
                                       <m:t>𝑋</m:t>
                                     </m:r>
                                   </m:e>
                                   <m:sub>
                                     <m:r>
-                                      <a:rPr lang="en-PH" sz="1400" b="0" smtClean="0"/>
+                                      <a:rPr lang="en-PH" sz="1400" b="0" smtClean="0">
+                                        <a:latin typeface="Cambria Math" panose="02040503050406030204" pitchFamily="18" charset="0"/>
+                                      </a:rPr>
                                       <m:t>14</m:t>
                                     </m:r>
                                   </m:sub>
@@ -6836,6 +6973,7 @@
                         <a:bodyPr/>
                         <a:lstStyle/>
                         <a:p>
+                          <a:pPr/>
                           <a14:m>
                             <m:oMathPara xmlns:m="http://schemas.openxmlformats.org/officeDocument/2006/math">
                               <m:oMathParaPr>
@@ -6845,18 +6983,24 @@
                                 <m:sSub>
                                   <m:sSubPr>
                                     <m:ctrlPr>
-                                      <a:rPr lang="en-PH" sz="1400" b="0" smtClean="0"/>
+                                      <a:rPr lang="en-PH" sz="1400" b="0" i="1" smtClean="0">
+                                        <a:latin typeface="Cambria Math" panose="02040503050406030204" pitchFamily="18" charset="0"/>
+                                      </a:rPr>
                                     </m:ctrlPr>
                                   </m:sSubPr>
                                   <m:e>
                                     <m:r>
-                                      <a:rPr lang="en-PH" sz="1400" b="0" smtClean="0"/>
+                                      <a:rPr lang="en-PH" sz="1400" b="0" smtClean="0">
+                                        <a:latin typeface="Cambria Math" panose="02040503050406030204" pitchFamily="18" charset="0"/>
+                                      </a:rPr>
                                       <m:t>𝑋</m:t>
                                     </m:r>
                                   </m:e>
                                   <m:sub>
                                     <m:r>
-                                      <a:rPr lang="en-PH" sz="1400" b="0" smtClean="0"/>
+                                      <a:rPr lang="en-PH" sz="1400" b="0" smtClean="0">
+                                        <a:latin typeface="Cambria Math" panose="02040503050406030204" pitchFamily="18" charset="0"/>
+                                      </a:rPr>
                                       <m:t>15</m:t>
                                     </m:r>
                                   </m:sub>
@@ -6938,6 +7082,7 @@
                         <a:bodyPr/>
                         <a:lstStyle/>
                         <a:p>
+                          <a:pPr/>
                           <a14:m>
                             <m:oMathPara xmlns:m="http://schemas.openxmlformats.org/officeDocument/2006/math">
                               <m:oMathParaPr>
@@ -6947,18 +7092,24 @@
                                 <m:sSub>
                                   <m:sSubPr>
                                     <m:ctrlPr>
-                                      <a:rPr lang="en-PH" sz="1400" b="0" smtClean="0"/>
+                                      <a:rPr lang="en-PH" sz="1400" b="0" i="1" smtClean="0">
+                                        <a:latin typeface="Cambria Math" panose="02040503050406030204" pitchFamily="18" charset="0"/>
+                                      </a:rPr>
                                     </m:ctrlPr>
                                   </m:sSubPr>
                                   <m:e>
                                     <m:r>
-                                      <a:rPr lang="en-PH" sz="1400" b="0" smtClean="0"/>
+                                      <a:rPr lang="en-PH" sz="1400" b="0" smtClean="0">
+                                        <a:latin typeface="Cambria Math" panose="02040503050406030204" pitchFamily="18" charset="0"/>
+                                      </a:rPr>
                                       <m:t>𝑋</m:t>
                                     </m:r>
                                   </m:e>
                                   <m:sub>
                                     <m:r>
-                                      <a:rPr lang="en-PH" sz="1400" b="0" smtClean="0"/>
+                                      <a:rPr lang="en-PH" sz="1400" b="0" smtClean="0">
+                                        <a:latin typeface="Cambria Math" panose="02040503050406030204" pitchFamily="18" charset="0"/>
+                                      </a:rPr>
                                       <m:t>16</m:t>
                                     </m:r>
                                   </m:sub>
@@ -7040,6 +7191,7 @@
                         <a:bodyPr/>
                         <a:lstStyle/>
                         <a:p>
+                          <a:pPr/>
                           <a14:m>
                             <m:oMathPara xmlns:m="http://schemas.openxmlformats.org/officeDocument/2006/math">
                               <m:oMathParaPr>
@@ -7049,18 +7201,24 @@
                                 <m:sSub>
                                   <m:sSubPr>
                                     <m:ctrlPr>
-                                      <a:rPr lang="en-PH" sz="1400" b="0" smtClean="0"/>
+                                      <a:rPr lang="en-PH" sz="1400" b="0" i="1" smtClean="0">
+                                        <a:latin typeface="Cambria Math" panose="02040503050406030204" pitchFamily="18" charset="0"/>
+                                      </a:rPr>
                                     </m:ctrlPr>
                                   </m:sSubPr>
                                   <m:e>
                                     <m:r>
-                                      <a:rPr lang="en-PH" sz="1400" b="0" smtClean="0"/>
+                                      <a:rPr lang="en-PH" sz="1400" b="0" smtClean="0">
+                                        <a:latin typeface="Cambria Math" panose="02040503050406030204" pitchFamily="18" charset="0"/>
+                                      </a:rPr>
                                       <m:t>𝑋</m:t>
                                     </m:r>
                                   </m:e>
                                   <m:sub>
                                     <m:r>
-                                      <a:rPr lang="en-PH" sz="1400" b="0" smtClean="0"/>
+                                      <a:rPr lang="en-PH" sz="1400" b="0" smtClean="0">
+                                        <a:latin typeface="Cambria Math" panose="02040503050406030204" pitchFamily="18" charset="0"/>
+                                      </a:rPr>
                                       <m:t>17</m:t>
                                     </m:r>
                                   </m:sub>
@@ -7142,6 +7300,7 @@
                         <a:bodyPr/>
                         <a:lstStyle/>
                         <a:p>
+                          <a:pPr/>
                           <a14:m>
                             <m:oMathPara xmlns:m="http://schemas.openxmlformats.org/officeDocument/2006/math">
                               <m:oMathParaPr>
@@ -7151,18 +7310,24 @@
                                 <m:sSub>
                                   <m:sSubPr>
                                     <m:ctrlPr>
-                                      <a:rPr lang="en-PH" sz="1400" b="0" smtClean="0"/>
+                                      <a:rPr lang="en-PH" sz="1400" b="0" i="1" smtClean="0">
+                                        <a:latin typeface="Cambria Math" panose="02040503050406030204" pitchFamily="18" charset="0"/>
+                                      </a:rPr>
                                     </m:ctrlPr>
                                   </m:sSubPr>
                                   <m:e>
                                     <m:r>
-                                      <a:rPr lang="en-PH" sz="1400" b="0" smtClean="0"/>
+                                      <a:rPr lang="en-PH" sz="1400" b="0" smtClean="0">
+                                        <a:latin typeface="Cambria Math" panose="02040503050406030204" pitchFamily="18" charset="0"/>
+                                      </a:rPr>
                                       <m:t>𝑋</m:t>
                                     </m:r>
                                   </m:e>
                                   <m:sub>
                                     <m:r>
-                                      <a:rPr lang="en-PH" sz="1400" b="0" smtClean="0"/>
+                                      <a:rPr lang="en-PH" sz="1400" b="0" smtClean="0">
+                                        <a:latin typeface="Cambria Math" panose="02040503050406030204" pitchFamily="18" charset="0"/>
+                                      </a:rPr>
                                       <m:t>18</m:t>
                                     </m:r>
                                   </m:sub>
@@ -7271,7 +7436,7 @@
             </a:graphic>
           </p:graphicFrame>
         </mc:Choice>
-        <mc:Fallback>
+        <mc:Fallback xmlns="">
           <p:graphicFrame>
             <p:nvGraphicFramePr>
               <p:cNvPr id="5" name="Table 4">
